--- a/2015年9月23号携程内部培训——使用HTML5快速开发一款APP@王利华.pptx
+++ b/2015年9月23号携程内部培训——使用HTML5快速开发一款APP@王利华.pptx
@@ -296,7 +296,7 @@
           <a:p>
             <a:fld id="{188A9FBF-CBFF-614C-9C2C-7CFF9264AEED}" type="datetimeFigureOut">
               <a:rPr kumimoji="1" lang="zh-CN" altLang="en-US" smtClean="0"/>
-              <a:t>15/9/22</a:t>
+              <a:t>15/9/23</a:t>
             </a:fld>
             <a:endParaRPr kumimoji="1" lang="zh-CN" altLang="en-US"/>
           </a:p>
@@ -466,7 +466,7 @@
           <a:p>
             <a:fld id="{188A9FBF-CBFF-614C-9C2C-7CFF9264AEED}" type="datetimeFigureOut">
               <a:rPr kumimoji="1" lang="zh-CN" altLang="en-US" smtClean="0"/>
-              <a:t>15/9/22</a:t>
+              <a:t>15/9/23</a:t>
             </a:fld>
             <a:endParaRPr kumimoji="1" lang="zh-CN" altLang="en-US"/>
           </a:p>
@@ -646,7 +646,7 @@
           <a:p>
             <a:fld id="{188A9FBF-CBFF-614C-9C2C-7CFF9264AEED}" type="datetimeFigureOut">
               <a:rPr kumimoji="1" lang="zh-CN" altLang="en-US" smtClean="0"/>
-              <a:t>15/9/22</a:t>
+              <a:t>15/9/23</a:t>
             </a:fld>
             <a:endParaRPr kumimoji="1" lang="zh-CN" altLang="en-US"/>
           </a:p>
@@ -897,7 +897,7 @@
                 <a:ea typeface="宋体"/>
               </a:rPr>
               <a:pPr/>
-              <a:t>15/9/22</a:t>
+              <a:t>15/9/23</a:t>
             </a:fld>
             <a:endParaRPr kumimoji="1" lang="zh-CN" altLang="en-US">
               <a:solidFill>
@@ -1109,7 +1109,7 @@
                 <a:ea typeface="宋体"/>
               </a:rPr>
               <a:pPr/>
-              <a:t>15/9/22</a:t>
+              <a:t>15/9/23</a:t>
             </a:fld>
             <a:endParaRPr kumimoji="1" lang="zh-CN" altLang="en-US">
               <a:solidFill>
@@ -1397,7 +1397,7 @@
                 <a:ea typeface="宋体"/>
               </a:rPr>
               <a:pPr/>
-              <a:t>15/9/22</a:t>
+              <a:t>15/9/23</a:t>
             </a:fld>
             <a:endParaRPr kumimoji="1" lang="zh-CN" altLang="en-US">
               <a:solidFill>
@@ -1727,7 +1727,7 @@
                 <a:ea typeface="宋体"/>
               </a:rPr>
               <a:pPr/>
-              <a:t>15/9/22</a:t>
+              <a:t>15/9/23</a:t>
             </a:fld>
             <a:endParaRPr kumimoji="1" lang="zh-CN" altLang="en-US">
               <a:solidFill>
@@ -2191,7 +2191,7 @@
                 <a:ea typeface="宋体"/>
               </a:rPr>
               <a:pPr/>
-              <a:t>15/9/22</a:t>
+              <a:t>15/9/23</a:t>
             </a:fld>
             <a:endParaRPr kumimoji="1" lang="zh-CN" altLang="en-US">
               <a:solidFill>
@@ -2351,7 +2351,7 @@
                 <a:ea typeface="宋体"/>
               </a:rPr>
               <a:pPr/>
-              <a:t>15/9/22</a:t>
+              <a:t>15/9/23</a:t>
             </a:fld>
             <a:endParaRPr kumimoji="1" lang="zh-CN" altLang="en-US">
               <a:solidFill>
@@ -2488,7 +2488,7 @@
                 <a:ea typeface="宋体"/>
               </a:rPr>
               <a:pPr/>
-              <a:t>15/9/22</a:t>
+              <a:t>15/9/23</a:t>
             </a:fld>
             <a:endParaRPr kumimoji="1" lang="zh-CN" altLang="en-US">
               <a:solidFill>
@@ -2807,7 +2807,7 @@
                 <a:ea typeface="宋体"/>
               </a:rPr>
               <a:pPr/>
-              <a:t>15/9/22</a:t>
+              <a:t>15/9/23</a:t>
             </a:fld>
             <a:endParaRPr kumimoji="1" lang="zh-CN" altLang="en-US">
               <a:solidFill>
@@ -3010,7 +3010,7 @@
           <a:p>
             <a:fld id="{188A9FBF-CBFF-614C-9C2C-7CFF9264AEED}" type="datetimeFigureOut">
               <a:rPr kumimoji="1" lang="zh-CN" altLang="en-US" smtClean="0"/>
-              <a:t>15/9/22</a:t>
+              <a:t>15/9/23</a:t>
             </a:fld>
             <a:endParaRPr kumimoji="1" lang="zh-CN" altLang="en-US"/>
           </a:p>
@@ -3272,7 +3272,7 @@
                 <a:ea typeface="宋体"/>
               </a:rPr>
               <a:pPr/>
-              <a:t>15/9/22</a:t>
+              <a:t>15/9/23</a:t>
             </a:fld>
             <a:endParaRPr kumimoji="1" lang="zh-CN" altLang="en-US">
               <a:solidFill>
@@ -3484,7 +3484,7 @@
                 <a:ea typeface="宋体"/>
               </a:rPr>
               <a:pPr/>
-              <a:t>15/9/22</a:t>
+              <a:t>15/9/23</a:t>
             </a:fld>
             <a:endParaRPr kumimoji="1" lang="zh-CN" altLang="en-US">
               <a:solidFill>
@@ -3706,7 +3706,7 @@
                 <a:ea typeface="宋体"/>
               </a:rPr>
               <a:pPr/>
-              <a:t>15/9/22</a:t>
+              <a:t>15/9/23</a:t>
             </a:fld>
             <a:endParaRPr kumimoji="1" lang="zh-CN" altLang="en-US">
               <a:solidFill>
@@ -3990,7 +3990,7 @@
                 <a:ea typeface="宋体"/>
               </a:rPr>
               <a:pPr/>
-              <a:t>15/9/22</a:t>
+              <a:t>15/9/23</a:t>
             </a:fld>
             <a:endParaRPr kumimoji="1" lang="zh-CN" altLang="en-US">
               <a:solidFill>
@@ -4202,7 +4202,7 @@
                 <a:ea typeface="宋体"/>
               </a:rPr>
               <a:pPr/>
-              <a:t>15/9/22</a:t>
+              <a:t>15/9/23</a:t>
             </a:fld>
             <a:endParaRPr kumimoji="1" lang="zh-CN" altLang="en-US">
               <a:solidFill>
@@ -4490,7 +4490,7 @@
                 <a:ea typeface="宋体"/>
               </a:rPr>
               <a:pPr/>
-              <a:t>15/9/22</a:t>
+              <a:t>15/9/23</a:t>
             </a:fld>
             <a:endParaRPr kumimoji="1" lang="zh-CN" altLang="en-US">
               <a:solidFill>
@@ -4820,7 +4820,7 @@
                 <a:ea typeface="宋体"/>
               </a:rPr>
               <a:pPr/>
-              <a:t>15/9/22</a:t>
+              <a:t>15/9/23</a:t>
             </a:fld>
             <a:endParaRPr kumimoji="1" lang="zh-CN" altLang="en-US">
               <a:solidFill>
@@ -5284,7 +5284,7 @@
                 <a:ea typeface="宋体"/>
               </a:rPr>
               <a:pPr/>
-              <a:t>15/9/22</a:t>
+              <a:t>15/9/23</a:t>
             </a:fld>
             <a:endParaRPr kumimoji="1" lang="zh-CN" altLang="en-US">
               <a:solidFill>
@@ -5444,7 +5444,7 @@
                 <a:ea typeface="宋体"/>
               </a:rPr>
               <a:pPr/>
-              <a:t>15/9/22</a:t>
+              <a:t>15/9/23</a:t>
             </a:fld>
             <a:endParaRPr kumimoji="1" lang="zh-CN" altLang="en-US">
               <a:solidFill>
@@ -5581,7 +5581,7 @@
                 <a:ea typeface="宋体"/>
               </a:rPr>
               <a:pPr/>
-              <a:t>15/9/22</a:t>
+              <a:t>15/9/23</a:t>
             </a:fld>
             <a:endParaRPr kumimoji="1" lang="zh-CN" altLang="en-US">
               <a:solidFill>
@@ -5860,7 +5860,7 @@
           <a:p>
             <a:fld id="{188A9FBF-CBFF-614C-9C2C-7CFF9264AEED}" type="datetimeFigureOut">
               <a:rPr kumimoji="1" lang="zh-CN" altLang="en-US" smtClean="0"/>
-              <a:t>15/9/22</a:t>
+              <a:t>15/9/23</a:t>
             </a:fld>
             <a:endParaRPr kumimoji="1" lang="zh-CN" altLang="en-US"/>
           </a:p>
@@ -6146,7 +6146,7 @@
                 <a:ea typeface="宋体"/>
               </a:rPr>
               <a:pPr/>
-              <a:t>15/9/22</a:t>
+              <a:t>15/9/23</a:t>
             </a:fld>
             <a:endParaRPr kumimoji="1" lang="zh-CN" altLang="en-US">
               <a:solidFill>
@@ -6441,7 +6441,7 @@
                 <a:ea typeface="宋体"/>
               </a:rPr>
               <a:pPr/>
-              <a:t>15/9/22</a:t>
+              <a:t>15/9/23</a:t>
             </a:fld>
             <a:endParaRPr kumimoji="1" lang="zh-CN" altLang="en-US">
               <a:solidFill>
@@ -6653,7 +6653,7 @@
                 <a:ea typeface="宋体"/>
               </a:rPr>
               <a:pPr/>
-              <a:t>15/9/22</a:t>
+              <a:t>15/9/23</a:t>
             </a:fld>
             <a:endParaRPr kumimoji="1" lang="zh-CN" altLang="en-US">
               <a:solidFill>
@@ -6875,7 +6875,7 @@
                 <a:ea typeface="宋体"/>
               </a:rPr>
               <a:pPr/>
-              <a:t>15/9/22</a:t>
+              <a:t>15/9/23</a:t>
             </a:fld>
             <a:endParaRPr kumimoji="1" lang="zh-CN" altLang="en-US">
               <a:solidFill>
@@ -7159,7 +7159,7 @@
                 <a:ea typeface="宋体"/>
               </a:rPr>
               <a:pPr/>
-              <a:t>15/9/22</a:t>
+              <a:t>15/9/23</a:t>
             </a:fld>
             <a:endParaRPr kumimoji="1" lang="zh-CN" altLang="en-US">
               <a:solidFill>
@@ -7371,7 +7371,7 @@
                 <a:ea typeface="宋体"/>
               </a:rPr>
               <a:pPr/>
-              <a:t>15/9/22</a:t>
+              <a:t>15/9/23</a:t>
             </a:fld>
             <a:endParaRPr kumimoji="1" lang="zh-CN" altLang="en-US">
               <a:solidFill>
@@ -7659,7 +7659,7 @@
                 <a:ea typeface="宋体"/>
               </a:rPr>
               <a:pPr/>
-              <a:t>15/9/22</a:t>
+              <a:t>15/9/23</a:t>
             </a:fld>
             <a:endParaRPr kumimoji="1" lang="zh-CN" altLang="en-US">
               <a:solidFill>
@@ -7989,7 +7989,7 @@
                 <a:ea typeface="宋体"/>
               </a:rPr>
               <a:pPr/>
-              <a:t>15/9/22</a:t>
+              <a:t>15/9/23</a:t>
             </a:fld>
             <a:endParaRPr kumimoji="1" lang="zh-CN" altLang="en-US">
               <a:solidFill>
@@ -8453,7 +8453,7 @@
                 <a:ea typeface="宋体"/>
               </a:rPr>
               <a:pPr/>
-              <a:t>15/9/22</a:t>
+              <a:t>15/9/23</a:t>
             </a:fld>
             <a:endParaRPr kumimoji="1" lang="zh-CN" altLang="en-US">
               <a:solidFill>
@@ -8613,7 +8613,7 @@
                 <a:ea typeface="宋体"/>
               </a:rPr>
               <a:pPr/>
-              <a:t>15/9/22</a:t>
+              <a:t>15/9/23</a:t>
             </a:fld>
             <a:endParaRPr kumimoji="1" lang="zh-CN" altLang="en-US">
               <a:solidFill>
@@ -8934,7 +8934,7 @@
           <a:p>
             <a:fld id="{188A9FBF-CBFF-614C-9C2C-7CFF9264AEED}" type="datetimeFigureOut">
               <a:rPr kumimoji="1" lang="zh-CN" altLang="en-US" smtClean="0"/>
-              <a:t>15/9/22</a:t>
+              <a:t>15/9/23</a:t>
             </a:fld>
             <a:endParaRPr kumimoji="1" lang="zh-CN" altLang="en-US"/>
           </a:p>
@@ -9038,7 +9038,7 @@
                 <a:ea typeface="宋体"/>
               </a:rPr>
               <a:pPr/>
-              <a:t>15/9/22</a:t>
+              <a:t>15/9/23</a:t>
             </a:fld>
             <a:endParaRPr kumimoji="1" lang="zh-CN" altLang="en-US">
               <a:solidFill>
@@ -9357,7 +9357,7 @@
                 <a:ea typeface="宋体"/>
               </a:rPr>
               <a:pPr/>
-              <a:t>15/9/22</a:t>
+              <a:t>15/9/23</a:t>
             </a:fld>
             <a:endParaRPr kumimoji="1" lang="zh-CN" altLang="en-US">
               <a:solidFill>
@@ -9652,7 +9652,7 @@
                 <a:ea typeface="宋体"/>
               </a:rPr>
               <a:pPr/>
-              <a:t>15/9/22</a:t>
+              <a:t>15/9/23</a:t>
             </a:fld>
             <a:endParaRPr kumimoji="1" lang="zh-CN" altLang="en-US">
               <a:solidFill>
@@ -9864,7 +9864,7 @@
                 <a:ea typeface="宋体"/>
               </a:rPr>
               <a:pPr/>
-              <a:t>15/9/22</a:t>
+              <a:t>15/9/23</a:t>
             </a:fld>
             <a:endParaRPr kumimoji="1" lang="zh-CN" altLang="en-US">
               <a:solidFill>
@@ -10086,7 +10086,7 @@
                 <a:ea typeface="宋体"/>
               </a:rPr>
               <a:pPr/>
-              <a:t>15/9/22</a:t>
+              <a:t>15/9/23</a:t>
             </a:fld>
             <a:endParaRPr kumimoji="1" lang="zh-CN" altLang="en-US">
               <a:solidFill>
@@ -10541,7 +10541,7 @@
           <a:p>
             <a:fld id="{188A9FBF-CBFF-614C-9C2C-7CFF9264AEED}" type="datetimeFigureOut">
               <a:rPr kumimoji="1" lang="zh-CN" altLang="en-US" smtClean="0"/>
-              <a:t>15/9/22</a:t>
+              <a:t>15/9/23</a:t>
             </a:fld>
             <a:endParaRPr kumimoji="1" lang="zh-CN" altLang="en-US"/>
           </a:p>
@@ -10659,7 +10659,7 @@
           <a:p>
             <a:fld id="{188A9FBF-CBFF-614C-9C2C-7CFF9264AEED}" type="datetimeFigureOut">
               <a:rPr kumimoji="1" lang="zh-CN" altLang="en-US" smtClean="0"/>
-              <a:t>15/9/22</a:t>
+              <a:t>15/9/23</a:t>
             </a:fld>
             <a:endParaRPr kumimoji="1" lang="zh-CN" altLang="en-US"/>
           </a:p>
@@ -10754,7 +10754,7 @@
           <a:p>
             <a:fld id="{188A9FBF-CBFF-614C-9C2C-7CFF9264AEED}" type="datetimeFigureOut">
               <a:rPr kumimoji="1" lang="zh-CN" altLang="en-US" smtClean="0"/>
-              <a:t>15/9/22</a:t>
+              <a:t>15/9/23</a:t>
             </a:fld>
             <a:endParaRPr kumimoji="1" lang="zh-CN" altLang="en-US"/>
           </a:p>
@@ -11031,7 +11031,7 @@
           <a:p>
             <a:fld id="{188A9FBF-CBFF-614C-9C2C-7CFF9264AEED}" type="datetimeFigureOut">
               <a:rPr kumimoji="1" lang="zh-CN" altLang="en-US" smtClean="0"/>
-              <a:t>15/9/22</a:t>
+              <a:t>15/9/23</a:t>
             </a:fld>
             <a:endParaRPr kumimoji="1" lang="zh-CN" altLang="en-US"/>
           </a:p>
@@ -11284,7 +11284,7 @@
           <a:p>
             <a:fld id="{188A9FBF-CBFF-614C-9C2C-7CFF9264AEED}" type="datetimeFigureOut">
               <a:rPr kumimoji="1" lang="zh-CN" altLang="en-US" smtClean="0"/>
-              <a:t>15/9/22</a:t>
+              <a:t>15/9/23</a:t>
             </a:fld>
             <a:endParaRPr kumimoji="1" lang="zh-CN" altLang="en-US"/>
           </a:p>
@@ -11497,7 +11497,7 @@
           <a:p>
             <a:fld id="{188A9FBF-CBFF-614C-9C2C-7CFF9264AEED}" type="datetimeFigureOut">
               <a:rPr kumimoji="1" lang="zh-CN" altLang="en-US" smtClean="0"/>
-              <a:t>15/9/22</a:t>
+              <a:t>15/9/23</a:t>
             </a:fld>
             <a:endParaRPr kumimoji="1" lang="zh-CN" altLang="en-US"/>
           </a:p>
@@ -12016,7 +12016,7 @@
                 <a:ea typeface="宋体"/>
               </a:rPr>
               <a:pPr/>
-              <a:t>15/9/22</a:t>
+              <a:t>15/9/23</a:t>
             </a:fld>
             <a:endParaRPr kumimoji="1" lang="zh-CN" altLang="en-US">
               <a:solidFill>
@@ -12568,7 +12568,7 @@
                 <a:ea typeface="宋体"/>
               </a:rPr>
               <a:pPr/>
-              <a:t>15/9/22</a:t>
+              <a:t>15/9/23</a:t>
             </a:fld>
             <a:endParaRPr kumimoji="1" lang="zh-CN" altLang="en-US">
               <a:solidFill>
@@ -13120,7 +13120,7 @@
                 <a:ea typeface="宋体"/>
               </a:rPr>
               <a:pPr/>
-              <a:t>15/9/22</a:t>
+              <a:t>15/9/23</a:t>
             </a:fld>
             <a:endParaRPr kumimoji="1" lang="zh-CN" altLang="en-US">
               <a:solidFill>
@@ -15072,7 +15072,7 @@
         </p:nvSpPr>
         <p:spPr>
           <a:xfrm>
-            <a:off x="-169334" y="1608666"/>
+            <a:off x="-9407" y="1317036"/>
             <a:ext cx="9153407" cy="1589854"/>
           </a:xfrm>
           <a:ln w="3175" cmpd="sng">
@@ -15086,34 +15086,199 @@
           <a:lstStyle/>
           <a:p>
             <a:r>
-              <a:rPr lang="en-US" altLang="zh-CN" sz="6000" b="1" dirty="0" smtClean="0">
+              <a:rPr lang="en-US" altLang="zh-CN" sz="4000" b="1" dirty="0" smtClean="0">
                 <a:solidFill>
                   <a:srgbClr val="FFFFFF"/>
                 </a:solidFill>
-                <a:latin typeface="华文隶书"/>
-                <a:ea typeface="华文隶书"/>
-                <a:cs typeface="华文隶书"/>
+                <a:latin typeface="Kaiti SC Regular"/>
+                <a:ea typeface="+mj-ea"/>
+                <a:cs typeface="Kaiti SC Regular"/>
               </a:rPr>
               <a:t> Talk </a:t>
             </a:r>
             <a:r>
-              <a:rPr lang="en-US" altLang="zh-CN" sz="6000" b="1" dirty="0">
+              <a:rPr lang="en-US" altLang="zh-CN" sz="4000" b="1" dirty="0">
                 <a:solidFill>
                   <a:srgbClr val="FFFFFF"/>
                 </a:solidFill>
-                <a:latin typeface="华文隶书"/>
-                <a:ea typeface="华文隶书"/>
-                <a:cs typeface="华文隶书"/>
+                <a:latin typeface="Kaiti SC Regular"/>
+                <a:ea typeface="+mj-ea"/>
+                <a:cs typeface="Kaiti SC Regular"/>
               </a:rPr>
               <a:t>is cheap show me the code</a:t>
             </a:r>
-            <a:endParaRPr lang="en-US" altLang="zh-CN" sz="6000" b="1" dirty="0" smtClean="0">
+            <a:endParaRPr lang="en-US" altLang="zh-CN" sz="4000" b="1" dirty="0" smtClean="0">
               <a:solidFill>
                 <a:srgbClr val="FFFFFF"/>
               </a:solidFill>
-              <a:latin typeface="华文隶书"/>
-              <a:ea typeface="华文隶书"/>
-              <a:cs typeface="华文隶书"/>
+              <a:latin typeface="Kaiti SC Regular"/>
+              <a:ea typeface="+mj-ea"/>
+              <a:cs typeface="Kaiti SC Regular"/>
+            </a:endParaRPr>
+          </a:p>
+        </p:txBody>
+      </p:sp>
+      <p:sp>
+        <p:nvSpPr>
+          <p:cNvPr id="2" name="文本框 1"/>
+          <p:cNvSpPr txBox="1"/>
+          <p:nvPr/>
+        </p:nvSpPr>
+        <p:spPr>
+          <a:xfrm>
+            <a:off x="555037" y="3499556"/>
+            <a:ext cx="4237057" cy="523220"/>
+          </a:xfrm>
+          <a:prstGeom prst="rect">
+            <a:avLst/>
+          </a:prstGeom>
+          <a:noFill/>
+        </p:spPr>
+        <p:txBody>
+          <a:bodyPr wrap="none" rtlCol="0">
+            <a:spAutoFit/>
+          </a:bodyPr>
+          <a:lstStyle/>
+          <a:p>
+            <a:r>
+              <a:rPr kumimoji="1" lang="en-US" altLang="zh-CN" sz="1400" dirty="0" smtClean="0">
+                <a:solidFill>
+                  <a:schemeClr val="bg1"/>
+                </a:solidFill>
+              </a:rPr>
+              <a:t>PPT &amp; </a:t>
+            </a:r>
+            <a:r>
+              <a:rPr kumimoji="1" lang="zh-CN" altLang="en-US" sz="1400" dirty="0" smtClean="0">
+                <a:solidFill>
+                  <a:schemeClr val="bg1"/>
+                </a:solidFill>
+              </a:rPr>
+              <a:t>代码地址：</a:t>
+            </a:r>
+            <a:r>
+              <a:rPr kumimoji="1" lang="en-US" altLang="zh-CN" sz="1400" dirty="0">
+                <a:solidFill>
+                  <a:schemeClr val="bg1"/>
+                </a:solidFill>
+              </a:rPr>
+              <a:t>https://</a:t>
+            </a:r>
+            <a:r>
+              <a:rPr kumimoji="1" lang="en-US" altLang="zh-CN" sz="1400" dirty="0" err="1">
+                <a:solidFill>
+                  <a:schemeClr val="bg1"/>
+                </a:solidFill>
+              </a:rPr>
+              <a:t>github.com</a:t>
+            </a:r>
+            <a:r>
+              <a:rPr kumimoji="1" lang="en-US" altLang="zh-CN" sz="1400" dirty="0">
+                <a:solidFill>
+                  <a:schemeClr val="bg1"/>
+                </a:solidFill>
+              </a:rPr>
+              <a:t>/</a:t>
+            </a:r>
+            <a:r>
+              <a:rPr kumimoji="1" lang="en-US" altLang="zh-CN" sz="1400" dirty="0" err="1">
+                <a:solidFill>
+                  <a:schemeClr val="bg1"/>
+                </a:solidFill>
+              </a:rPr>
+              <a:t>vczero</a:t>
+            </a:r>
+            <a:r>
+              <a:rPr kumimoji="1" lang="en-US" altLang="zh-CN" sz="1400" dirty="0">
+                <a:solidFill>
+                  <a:schemeClr val="bg1"/>
+                </a:solidFill>
+              </a:rPr>
+              <a:t>/</a:t>
+            </a:r>
+            <a:r>
+              <a:rPr kumimoji="1" lang="en-US" altLang="zh-CN" sz="1400" dirty="0" err="1" smtClean="0">
+                <a:solidFill>
+                  <a:schemeClr val="bg1"/>
+                </a:solidFill>
+              </a:rPr>
+              <a:t>sharePPT</a:t>
+            </a:r>
+            <a:endParaRPr kumimoji="1" lang="en-US" altLang="zh-CN" sz="1400" dirty="0" smtClean="0">
+              <a:solidFill>
+                <a:schemeClr val="bg1"/>
+              </a:solidFill>
+            </a:endParaRPr>
+          </a:p>
+          <a:p>
+            <a:r>
+              <a:rPr kumimoji="1" lang="zh-CN" altLang="en-US" sz="1400" dirty="0" smtClean="0">
+                <a:solidFill>
+                  <a:schemeClr val="bg1"/>
+                </a:solidFill>
+              </a:rPr>
+              <a:t>美途：</a:t>
+            </a:r>
+            <a:r>
+              <a:rPr kumimoji="1" lang="en-US" altLang="zh-CN" sz="1400" dirty="0">
+                <a:solidFill>
+                  <a:schemeClr val="bg1"/>
+                </a:solidFill>
+              </a:rPr>
+              <a:t>https://</a:t>
+            </a:r>
+            <a:r>
+              <a:rPr kumimoji="1" lang="en-US" altLang="zh-CN" sz="1400" dirty="0" err="1">
+                <a:solidFill>
+                  <a:schemeClr val="bg1"/>
+                </a:solidFill>
+              </a:rPr>
+              <a:t>github.com</a:t>
+            </a:r>
+            <a:r>
+              <a:rPr kumimoji="1" lang="en-US" altLang="zh-CN" sz="1400" dirty="0">
+                <a:solidFill>
+                  <a:schemeClr val="bg1"/>
+                </a:solidFill>
+              </a:rPr>
+              <a:t>/</a:t>
+            </a:r>
+            <a:r>
+              <a:rPr kumimoji="1" lang="en-US" altLang="zh-CN" sz="1400" dirty="0" err="1">
+                <a:solidFill>
+                  <a:schemeClr val="bg1"/>
+                </a:solidFill>
+              </a:rPr>
+              <a:t>vczero</a:t>
+            </a:r>
+            <a:r>
+              <a:rPr kumimoji="1" lang="en-US" altLang="zh-CN" sz="1400" dirty="0">
+                <a:solidFill>
+                  <a:schemeClr val="bg1"/>
+                </a:solidFill>
+              </a:rPr>
+              <a:t>/</a:t>
+            </a:r>
+            <a:r>
+              <a:rPr kumimoji="1" lang="en-US" altLang="zh-CN" sz="1400" dirty="0" err="1">
+                <a:solidFill>
+                  <a:schemeClr val="bg1"/>
+                </a:solidFill>
+              </a:rPr>
+              <a:t>meitu</a:t>
+            </a:r>
+            <a:r>
+              <a:rPr kumimoji="1" lang="en-US" altLang="zh-CN" sz="1400" dirty="0">
+                <a:solidFill>
+                  <a:schemeClr val="bg1"/>
+                </a:solidFill>
+              </a:rPr>
+              <a:t>/</a:t>
+            </a:r>
+            <a:endParaRPr kumimoji="1" lang="zh-CN" altLang="en-US" sz="1400" dirty="0">
+              <a:solidFill>
+                <a:schemeClr val="bg1"/>
+              </a:solidFill>
             </a:endParaRPr>
           </a:p>
         </p:txBody>
@@ -15194,18 +15359,7 @@
                 <a:ea typeface="华文隶书"/>
                 <a:cs typeface="华文隶书"/>
               </a:rPr>
-              <a:t>谢谢</a:t>
-            </a:r>
-            <a:r>
-              <a:rPr lang="zh-CN" altLang="en-US" sz="6000" b="1" dirty="0" smtClean="0">
-                <a:solidFill>
-                  <a:srgbClr val="FFFFFF"/>
-                </a:solidFill>
-                <a:latin typeface="华文隶书"/>
-                <a:ea typeface="华文隶书"/>
-                <a:cs typeface="华文隶书"/>
-              </a:rPr>
-              <a:t>！</a:t>
+              <a:t>谢谢！</a:t>
             </a:r>
             <a:endParaRPr lang="en-US" altLang="zh-CN" sz="6000" b="1" dirty="0" smtClean="0">
               <a:solidFill>
